--- a/data/GS3_チーム2_世界観まとめ.pptx
+++ b/data/GS3_チーム2_世界観まとめ.pptx
@@ -7,6 +7,7 @@
   <p:sldIdLst>
     <p:sldId id="256" r:id="rId2"/>
     <p:sldId id="257" r:id="rId3"/>
+    <p:sldId id="258" r:id="rId4"/>
   </p:sldIdLst>
   <p:sldSz cx="12192000" cy="6858000"/>
   <p:notesSz cx="6858000" cy="9144000"/>
@@ -244,7 +245,7 @@
           <a:p>
             <a:fld id="{7784CD5C-EBAB-4437-80F5-5CDD4EB382E6}" type="datetimeFigureOut">
               <a:rPr kumimoji="1" lang="ja-JP" altLang="en-US" smtClean="0"/>
-              <a:t>2023/4/26</a:t>
+              <a:t>2023/5/17</a:t>
             </a:fld>
             <a:endParaRPr kumimoji="1" lang="ja-JP" altLang="en-US"/>
           </a:p>
@@ -446,7 +447,7 @@
           <a:p>
             <a:fld id="{7784CD5C-EBAB-4437-80F5-5CDD4EB382E6}" type="datetimeFigureOut">
               <a:rPr kumimoji="1" lang="ja-JP" altLang="en-US" smtClean="0"/>
-              <a:t>2023/4/26</a:t>
+              <a:t>2023/5/17</a:t>
             </a:fld>
             <a:endParaRPr kumimoji="1" lang="ja-JP" altLang="en-US"/>
           </a:p>
@@ -658,7 +659,7 @@
           <a:p>
             <a:fld id="{7784CD5C-EBAB-4437-80F5-5CDD4EB382E6}" type="datetimeFigureOut">
               <a:rPr kumimoji="1" lang="ja-JP" altLang="en-US" smtClean="0"/>
-              <a:t>2023/4/26</a:t>
+              <a:t>2023/5/17</a:t>
             </a:fld>
             <a:endParaRPr kumimoji="1" lang="ja-JP" altLang="en-US"/>
           </a:p>
@@ -860,7 +861,7 @@
           <a:p>
             <a:fld id="{7784CD5C-EBAB-4437-80F5-5CDD4EB382E6}" type="datetimeFigureOut">
               <a:rPr kumimoji="1" lang="ja-JP" altLang="en-US" smtClean="0"/>
-              <a:t>2023/4/26</a:t>
+              <a:t>2023/5/17</a:t>
             </a:fld>
             <a:endParaRPr kumimoji="1" lang="ja-JP" altLang="en-US"/>
           </a:p>
@@ -1106,7 +1107,7 @@
           <a:p>
             <a:fld id="{7784CD5C-EBAB-4437-80F5-5CDD4EB382E6}" type="datetimeFigureOut">
               <a:rPr kumimoji="1" lang="ja-JP" altLang="en-US" smtClean="0"/>
-              <a:t>2023/4/26</a:t>
+              <a:t>2023/5/17</a:t>
             </a:fld>
             <a:endParaRPr kumimoji="1" lang="ja-JP" altLang="en-US"/>
           </a:p>
@@ -1402,7 +1403,7 @@
           <a:p>
             <a:fld id="{7784CD5C-EBAB-4437-80F5-5CDD4EB382E6}" type="datetimeFigureOut">
               <a:rPr kumimoji="1" lang="ja-JP" altLang="en-US" smtClean="0"/>
-              <a:t>2023/4/26</a:t>
+              <a:t>2023/5/17</a:t>
             </a:fld>
             <a:endParaRPr kumimoji="1" lang="ja-JP" altLang="en-US"/>
           </a:p>
@@ -1833,7 +1834,7 @@
           <a:p>
             <a:fld id="{7784CD5C-EBAB-4437-80F5-5CDD4EB382E6}" type="datetimeFigureOut">
               <a:rPr kumimoji="1" lang="ja-JP" altLang="en-US" smtClean="0"/>
-              <a:t>2023/4/26</a:t>
+              <a:t>2023/5/17</a:t>
             </a:fld>
             <a:endParaRPr kumimoji="1" lang="ja-JP" altLang="en-US"/>
           </a:p>
@@ -1951,7 +1952,7 @@
           <a:p>
             <a:fld id="{7784CD5C-EBAB-4437-80F5-5CDD4EB382E6}" type="datetimeFigureOut">
               <a:rPr kumimoji="1" lang="ja-JP" altLang="en-US" smtClean="0"/>
-              <a:t>2023/4/26</a:t>
+              <a:t>2023/5/17</a:t>
             </a:fld>
             <a:endParaRPr kumimoji="1" lang="ja-JP" altLang="en-US"/>
           </a:p>
@@ -2046,7 +2047,7 @@
           <a:p>
             <a:fld id="{7784CD5C-EBAB-4437-80F5-5CDD4EB382E6}" type="datetimeFigureOut">
               <a:rPr kumimoji="1" lang="ja-JP" altLang="en-US" smtClean="0"/>
-              <a:t>2023/4/26</a:t>
+              <a:t>2023/5/17</a:t>
             </a:fld>
             <a:endParaRPr kumimoji="1" lang="ja-JP" altLang="en-US"/>
           </a:p>
@@ -2355,7 +2356,7 @@
           <a:p>
             <a:fld id="{7784CD5C-EBAB-4437-80F5-5CDD4EB382E6}" type="datetimeFigureOut">
               <a:rPr kumimoji="1" lang="ja-JP" altLang="en-US" smtClean="0"/>
-              <a:t>2023/4/26</a:t>
+              <a:t>2023/5/17</a:t>
             </a:fld>
             <a:endParaRPr kumimoji="1" lang="ja-JP" altLang="en-US"/>
           </a:p>
@@ -2608,7 +2609,7 @@
           <a:p>
             <a:fld id="{7784CD5C-EBAB-4437-80F5-5CDD4EB382E6}" type="datetimeFigureOut">
               <a:rPr kumimoji="1" lang="ja-JP" altLang="en-US" smtClean="0"/>
-              <a:t>2023/4/26</a:t>
+              <a:t>2023/5/17</a:t>
             </a:fld>
             <a:endParaRPr kumimoji="1" lang="ja-JP" altLang="en-US"/>
           </a:p>
@@ -2862,7 +2863,7 @@
           <a:p>
             <a:fld id="{7784CD5C-EBAB-4437-80F5-5CDD4EB382E6}" type="datetimeFigureOut">
               <a:rPr kumimoji="1" lang="ja-JP" altLang="en-US" smtClean="0"/>
-              <a:t>2023/4/26</a:t>
+              <a:t>2023/5/17</a:t>
             </a:fld>
             <a:endParaRPr kumimoji="1" lang="ja-JP" altLang="en-US"/>
           </a:p>
@@ -6433,6 +6434,230 @@
 </p:sld>
 </file>
 
+<file path=ppt/slides/slide3.xml><?xml version="1.0" encoding="utf-8"?>
+<p:sld xmlns:a="http://schemas.openxmlformats.org/drawingml/2006/main" xmlns:r="http://schemas.openxmlformats.org/officeDocument/2006/relationships" xmlns:p="http://schemas.openxmlformats.org/presentationml/2006/main">
+  <p:cSld>
+    <p:spTree>
+      <p:nvGrpSpPr>
+        <p:cNvPr id="1" name=""/>
+        <p:cNvGrpSpPr/>
+        <p:nvPr/>
+      </p:nvGrpSpPr>
+      <p:grpSpPr>
+        <a:xfrm>
+          <a:off x="0" y="0"/>
+          <a:ext cx="0" cy="0"/>
+          <a:chOff x="0" y="0"/>
+          <a:chExt cx="0" cy="0"/>
+        </a:xfrm>
+      </p:grpSpPr>
+      <p:sp>
+        <p:nvSpPr>
+          <p:cNvPr id="2" name="テキスト ボックス 1"/>
+          <p:cNvSpPr txBox="1"/>
+          <p:nvPr/>
+        </p:nvSpPr>
+        <p:spPr>
+          <a:xfrm>
+            <a:off x="0" y="241554"/>
+            <a:ext cx="3467616" cy="584775"/>
+          </a:xfrm>
+          <a:prstGeom prst="rect">
+            <a:avLst/>
+          </a:prstGeom>
+          <a:noFill/>
+        </p:spPr>
+        <p:txBody>
+          <a:bodyPr wrap="none" rtlCol="0">
+            <a:spAutoFit/>
+          </a:bodyPr>
+          <a:lstStyle/>
+          <a:p>
+            <a:r>
+              <a:rPr kumimoji="1" lang="en-US" altLang="ja-JP" sz="3200" b="1" dirty="0" smtClean="0"/>
+              <a:t>《</a:t>
+            </a:r>
+            <a:r>
+              <a:rPr kumimoji="1" lang="ja-JP" altLang="en-US" sz="3200" b="1" dirty="0" smtClean="0"/>
+              <a:t>イメージ詳細</a:t>
+            </a:r>
+            <a:r>
+              <a:rPr kumimoji="1" lang="en-US" altLang="ja-JP" sz="3200" b="1" dirty="0" smtClean="0"/>
+              <a:t>》</a:t>
+            </a:r>
+            <a:endParaRPr kumimoji="1" lang="en-US" altLang="ja-JP" sz="3200" b="1" dirty="0" smtClean="0"/>
+          </a:p>
+        </p:txBody>
+      </p:sp>
+      <p:sp>
+        <p:nvSpPr>
+          <p:cNvPr id="3" name="角丸四角形 2"/>
+          <p:cNvSpPr/>
+          <p:nvPr/>
+        </p:nvSpPr>
+        <p:spPr>
+          <a:xfrm>
+            <a:off x="170217" y="1011116"/>
+            <a:ext cx="6594797" cy="3358661"/>
+          </a:xfrm>
+          <a:prstGeom prst="roundRect">
+            <a:avLst>
+              <a:gd name="adj" fmla="val 6667"/>
+            </a:avLst>
+          </a:prstGeom>
+          <a:solidFill>
+            <a:schemeClr val="accent4">
+              <a:lumMod val="40000"/>
+              <a:lumOff val="60000"/>
+            </a:schemeClr>
+          </a:solidFill>
+          <a:ln w="19050">
+            <a:solidFill>
+              <a:schemeClr val="tx1"/>
+            </a:solidFill>
+          </a:ln>
+        </p:spPr>
+        <p:style>
+          <a:lnRef idx="2">
+            <a:schemeClr val="accent1">
+              <a:shade val="50000"/>
+            </a:schemeClr>
+          </a:lnRef>
+          <a:fillRef idx="1">
+            <a:schemeClr val="accent1"/>
+          </a:fillRef>
+          <a:effectRef idx="0">
+            <a:schemeClr val="accent1"/>
+          </a:effectRef>
+          <a:fontRef idx="minor">
+            <a:schemeClr val="lt1"/>
+          </a:fontRef>
+        </p:style>
+        <p:txBody>
+          <a:bodyPr rtlCol="0" anchor="ctr"/>
+          <a:lstStyle/>
+          <a:p>
+            <a:pPr algn="ctr"/>
+            <a:endParaRPr kumimoji="1" lang="ja-JP" altLang="en-US" dirty="0"/>
+          </a:p>
+        </p:txBody>
+      </p:sp>
+      <p:sp>
+        <p:nvSpPr>
+          <p:cNvPr id="4" name="テキスト ボックス 3"/>
+          <p:cNvSpPr txBox="1"/>
+          <p:nvPr/>
+        </p:nvSpPr>
+        <p:spPr>
+          <a:xfrm>
+            <a:off x="259044" y="1120785"/>
+            <a:ext cx="5955476" cy="1477328"/>
+          </a:xfrm>
+          <a:prstGeom prst="rect">
+            <a:avLst/>
+          </a:prstGeom>
+          <a:noFill/>
+        </p:spPr>
+        <p:txBody>
+          <a:bodyPr wrap="none" rtlCol="0">
+            <a:spAutoFit/>
+          </a:bodyPr>
+          <a:lstStyle/>
+          <a:p>
+            <a:r>
+              <a:rPr lang="ja-JP" altLang="en-US" b="1" dirty="0" smtClean="0"/>
+              <a:t>色</a:t>
+            </a:r>
+            <a:r>
+              <a:rPr lang="en-US" altLang="ja-JP" b="1" dirty="0" smtClean="0"/>
+              <a:t>…</a:t>
+            </a:r>
+            <a:r>
+              <a:rPr lang="ja-JP" altLang="en-US" b="1" dirty="0" smtClean="0"/>
+              <a:t>白、カラフル</a:t>
+            </a:r>
+            <a:endParaRPr lang="en-US" altLang="ja-JP" b="1" dirty="0" smtClean="0"/>
+          </a:p>
+          <a:p>
+            <a:endParaRPr lang="en-US" altLang="ja-JP" b="1" dirty="0"/>
+          </a:p>
+          <a:p>
+            <a:r>
+              <a:rPr lang="ja-JP" altLang="en-US" b="1" dirty="0" smtClean="0"/>
+              <a:t>建物</a:t>
+            </a:r>
+            <a:r>
+              <a:rPr lang="en-US" altLang="ja-JP" b="1" dirty="0" smtClean="0"/>
+              <a:t>…</a:t>
+            </a:r>
+            <a:r>
+              <a:rPr lang="ja-JP" altLang="en-US" b="1" dirty="0" smtClean="0"/>
+              <a:t>現代のビル群＋近未来チックな変わった形のビル</a:t>
+            </a:r>
+            <a:endParaRPr lang="en-US" altLang="ja-JP" b="1" dirty="0" smtClean="0"/>
+          </a:p>
+          <a:p>
+            <a:endParaRPr lang="en-US" altLang="ja-JP" b="1" dirty="0"/>
+          </a:p>
+          <a:p>
+            <a:endParaRPr lang="en-US" altLang="ja-JP" b="1" dirty="0" smtClean="0"/>
+          </a:p>
+        </p:txBody>
+      </p:sp>
+      <p:pic>
+        <p:nvPicPr>
+          <p:cNvPr id="1026" name="Picture 2" descr="https://i3.gamebiz.jp/images/original/219497001575f795e93ece0020.png"/>
+          <p:cNvPicPr>
+            <a:picLocks noChangeAspect="1" noChangeArrowheads="1"/>
+          </p:cNvPicPr>
+          <p:nvPr/>
+        </p:nvPicPr>
+        <p:blipFill>
+          <a:blip r:embed="rId2">
+            <a:extLst>
+              <a:ext uri="{28A0092B-C50C-407E-A947-70E740481C1C}">
+                <a14:useLocalDpi xmlns:a14="http://schemas.microsoft.com/office/drawing/2010/main" val="0"/>
+              </a:ext>
+            </a:extLst>
+          </a:blip>
+          <a:srcRect/>
+          <a:stretch>
+            <a:fillRect/>
+          </a:stretch>
+        </p:blipFill>
+        <p:spPr bwMode="auto">
+          <a:xfrm>
+            <a:off x="7992189" y="363562"/>
+            <a:ext cx="3991237" cy="2991774"/>
+          </a:xfrm>
+          <a:prstGeom prst="rect">
+            <a:avLst/>
+          </a:prstGeom>
+          <a:noFill/>
+          <a:extLst>
+            <a:ext uri="{909E8E84-426E-40DD-AFC4-6F175D3DCCD1}">
+              <a14:hiddenFill xmlns:a14="http://schemas.microsoft.com/office/drawing/2010/main">
+                <a:solidFill>
+                  <a:srgbClr val="FFFFFF"/>
+                </a:solidFill>
+              </a14:hiddenFill>
+            </a:ext>
+          </a:extLst>
+        </p:spPr>
+      </p:pic>
+    </p:spTree>
+    <p:extLst>
+      <p:ext uri="{BB962C8B-B14F-4D97-AF65-F5344CB8AC3E}">
+        <p14:creationId xmlns:p14="http://schemas.microsoft.com/office/powerpoint/2010/main" val="4294618787"/>
+      </p:ext>
+    </p:extLst>
+  </p:cSld>
+  <p:clrMapOvr>
+    <a:masterClrMapping/>
+  </p:clrMapOvr>
+</p:sld>
+</file>
+
 <file path=ppt/theme/theme1.xml><?xml version="1.0" encoding="utf-8"?>
 <a:theme xmlns:a="http://schemas.openxmlformats.org/drawingml/2006/main" name="Office テーマ">
   <a:themeElements>

--- a/data/GS3_チーム2_世界観まとめ.pptx
+++ b/data/GS3_チーム2_世界観まとめ.pptx
@@ -8,6 +8,7 @@
     <p:sldId id="256" r:id="rId2"/>
     <p:sldId id="257" r:id="rId3"/>
     <p:sldId id="258" r:id="rId4"/>
+    <p:sldId id="259" r:id="rId5"/>
   </p:sldIdLst>
   <p:sldSz cx="12192000" cy="6858000"/>
   <p:notesSz cx="6858000" cy="9144000"/>
@@ -245,7 +246,7 @@
           <a:p>
             <a:fld id="{7784CD5C-EBAB-4437-80F5-5CDD4EB382E6}" type="datetimeFigureOut">
               <a:rPr kumimoji="1" lang="ja-JP" altLang="en-US" smtClean="0"/>
-              <a:t>2023/5/17</a:t>
+              <a:t>2023/6/12</a:t>
             </a:fld>
             <a:endParaRPr kumimoji="1" lang="ja-JP" altLang="en-US"/>
           </a:p>
@@ -447,7 +448,7 @@
           <a:p>
             <a:fld id="{7784CD5C-EBAB-4437-80F5-5CDD4EB382E6}" type="datetimeFigureOut">
               <a:rPr kumimoji="1" lang="ja-JP" altLang="en-US" smtClean="0"/>
-              <a:t>2023/5/17</a:t>
+              <a:t>2023/6/12</a:t>
             </a:fld>
             <a:endParaRPr kumimoji="1" lang="ja-JP" altLang="en-US"/>
           </a:p>
@@ -659,7 +660,7 @@
           <a:p>
             <a:fld id="{7784CD5C-EBAB-4437-80F5-5CDD4EB382E6}" type="datetimeFigureOut">
               <a:rPr kumimoji="1" lang="ja-JP" altLang="en-US" smtClean="0"/>
-              <a:t>2023/5/17</a:t>
+              <a:t>2023/6/12</a:t>
             </a:fld>
             <a:endParaRPr kumimoji="1" lang="ja-JP" altLang="en-US"/>
           </a:p>
@@ -861,7 +862,7 @@
           <a:p>
             <a:fld id="{7784CD5C-EBAB-4437-80F5-5CDD4EB382E6}" type="datetimeFigureOut">
               <a:rPr kumimoji="1" lang="ja-JP" altLang="en-US" smtClean="0"/>
-              <a:t>2023/5/17</a:t>
+              <a:t>2023/6/12</a:t>
             </a:fld>
             <a:endParaRPr kumimoji="1" lang="ja-JP" altLang="en-US"/>
           </a:p>
@@ -1107,7 +1108,7 @@
           <a:p>
             <a:fld id="{7784CD5C-EBAB-4437-80F5-5CDD4EB382E6}" type="datetimeFigureOut">
               <a:rPr kumimoji="1" lang="ja-JP" altLang="en-US" smtClean="0"/>
-              <a:t>2023/5/17</a:t>
+              <a:t>2023/6/12</a:t>
             </a:fld>
             <a:endParaRPr kumimoji="1" lang="ja-JP" altLang="en-US"/>
           </a:p>
@@ -1403,7 +1404,7 @@
           <a:p>
             <a:fld id="{7784CD5C-EBAB-4437-80F5-5CDD4EB382E6}" type="datetimeFigureOut">
               <a:rPr kumimoji="1" lang="ja-JP" altLang="en-US" smtClean="0"/>
-              <a:t>2023/5/17</a:t>
+              <a:t>2023/6/12</a:t>
             </a:fld>
             <a:endParaRPr kumimoji="1" lang="ja-JP" altLang="en-US"/>
           </a:p>
@@ -1834,7 +1835,7 @@
           <a:p>
             <a:fld id="{7784CD5C-EBAB-4437-80F5-5CDD4EB382E6}" type="datetimeFigureOut">
               <a:rPr kumimoji="1" lang="ja-JP" altLang="en-US" smtClean="0"/>
-              <a:t>2023/5/17</a:t>
+              <a:t>2023/6/12</a:t>
             </a:fld>
             <a:endParaRPr kumimoji="1" lang="ja-JP" altLang="en-US"/>
           </a:p>
@@ -1952,7 +1953,7 @@
           <a:p>
             <a:fld id="{7784CD5C-EBAB-4437-80F5-5CDD4EB382E6}" type="datetimeFigureOut">
               <a:rPr kumimoji="1" lang="ja-JP" altLang="en-US" smtClean="0"/>
-              <a:t>2023/5/17</a:t>
+              <a:t>2023/6/12</a:t>
             </a:fld>
             <a:endParaRPr kumimoji="1" lang="ja-JP" altLang="en-US"/>
           </a:p>
@@ -2047,7 +2048,7 @@
           <a:p>
             <a:fld id="{7784CD5C-EBAB-4437-80F5-5CDD4EB382E6}" type="datetimeFigureOut">
               <a:rPr kumimoji="1" lang="ja-JP" altLang="en-US" smtClean="0"/>
-              <a:t>2023/5/17</a:t>
+              <a:t>2023/6/12</a:t>
             </a:fld>
             <a:endParaRPr kumimoji="1" lang="ja-JP" altLang="en-US"/>
           </a:p>
@@ -2356,7 +2357,7 @@
           <a:p>
             <a:fld id="{7784CD5C-EBAB-4437-80F5-5CDD4EB382E6}" type="datetimeFigureOut">
               <a:rPr kumimoji="1" lang="ja-JP" altLang="en-US" smtClean="0"/>
-              <a:t>2023/5/17</a:t>
+              <a:t>2023/6/12</a:t>
             </a:fld>
             <a:endParaRPr kumimoji="1" lang="ja-JP" altLang="en-US"/>
           </a:p>
@@ -2609,7 +2610,7 @@
           <a:p>
             <a:fld id="{7784CD5C-EBAB-4437-80F5-5CDD4EB382E6}" type="datetimeFigureOut">
               <a:rPr kumimoji="1" lang="ja-JP" altLang="en-US" smtClean="0"/>
-              <a:t>2023/5/17</a:t>
+              <a:t>2023/6/12</a:t>
             </a:fld>
             <a:endParaRPr kumimoji="1" lang="ja-JP" altLang="en-US"/>
           </a:p>
@@ -2863,7 +2864,7 @@
           <a:p>
             <a:fld id="{7784CD5C-EBAB-4437-80F5-5CDD4EB382E6}" type="datetimeFigureOut">
               <a:rPr kumimoji="1" lang="ja-JP" altLang="en-US" smtClean="0"/>
-              <a:t>2023/5/17</a:t>
+              <a:t>2023/6/12</a:t>
             </a:fld>
             <a:endParaRPr kumimoji="1" lang="ja-JP" altLang="en-US"/>
           </a:p>
@@ -6485,7 +6486,6 @@
               <a:rPr kumimoji="1" lang="en-US" altLang="ja-JP" sz="3200" b="1" dirty="0" smtClean="0"/>
               <a:t>》</a:t>
             </a:r>
-            <a:endParaRPr kumimoji="1" lang="en-US" altLang="ja-JP" sz="3200" b="1" dirty="0" smtClean="0"/>
           </a:p>
         </p:txBody>
       </p:sp>
@@ -6498,7 +6498,7 @@
         <p:spPr>
           <a:xfrm>
             <a:off x="170217" y="1011116"/>
-            <a:ext cx="6594797" cy="3358661"/>
+            <a:ext cx="6781685" cy="3358661"/>
           </a:xfrm>
           <a:prstGeom prst="roundRect">
             <a:avLst>
@@ -6551,7 +6551,7 @@
         <p:spPr>
           <a:xfrm>
             <a:off x="259044" y="1120785"/>
-            <a:ext cx="5955476" cy="1477328"/>
+            <a:ext cx="6692858" cy="2308324"/>
           </a:xfrm>
           <a:prstGeom prst="rect">
             <a:avLst/>
@@ -6592,11 +6592,88 @@
             </a:r>
             <a:r>
               <a:rPr lang="ja-JP" altLang="en-US" b="1" dirty="0" smtClean="0"/>
-              <a:t>現代のビル群＋近未来チックな変わった形のビル</a:t>
+              <a:t>現代のビル群＋近未来チックな変わった形の</a:t>
+            </a:r>
+            <a:r>
+              <a:rPr lang="ja-JP" altLang="en-US" b="1" dirty="0" smtClean="0"/>
+              <a:t>ビル</a:t>
             </a:r>
             <a:endParaRPr lang="en-US" altLang="ja-JP" b="1" dirty="0" smtClean="0"/>
           </a:p>
           <a:p>
+            <a:r>
+              <a:rPr lang="ja-JP" altLang="en-US" b="1" dirty="0"/>
+              <a:t>乗り物</a:t>
+            </a:r>
+            <a:r>
+              <a:rPr lang="en-US" altLang="ja-JP" b="1" dirty="0" smtClean="0"/>
+              <a:t>…</a:t>
+            </a:r>
+            <a:r>
+              <a:rPr lang="ja-JP" altLang="en-US" b="1" dirty="0" smtClean="0"/>
+              <a:t>空飛ぶ車とか新型バイクとか</a:t>
+            </a:r>
+            <a:endParaRPr lang="en-US" altLang="ja-JP" b="1" dirty="0" smtClean="0"/>
+          </a:p>
+          <a:p>
+            <a:r>
+              <a:rPr lang="ja-JP" altLang="en-US" b="1" dirty="0" smtClean="0"/>
+              <a:t>人</a:t>
+            </a:r>
+            <a:r>
+              <a:rPr lang="en-US" altLang="ja-JP" b="1" dirty="0" smtClean="0"/>
+              <a:t>…</a:t>
+            </a:r>
+            <a:r>
+              <a:rPr lang="ja-JP" altLang="en-US" b="1" dirty="0" smtClean="0"/>
+              <a:t>服装とかは現代とあんまり変わってない</a:t>
+            </a:r>
+            <a:endParaRPr lang="en-US" altLang="ja-JP" b="1" dirty="0" smtClean="0"/>
+          </a:p>
+          <a:p>
+            <a:r>
+              <a:rPr lang="ja-JP" altLang="en-US" b="1" dirty="0" smtClean="0"/>
+              <a:t>施設</a:t>
+            </a:r>
+            <a:r>
+              <a:rPr lang="en-US" altLang="ja-JP" b="1" dirty="0" smtClean="0"/>
+              <a:t>…AI</a:t>
+            </a:r>
+            <a:r>
+              <a:rPr lang="ja-JP" altLang="en-US" b="1" dirty="0"/>
+              <a:t>に</a:t>
+            </a:r>
+            <a:r>
+              <a:rPr lang="ja-JP" altLang="en-US" b="1" dirty="0" smtClean="0"/>
+              <a:t>よる案内ロボットとかいる</a:t>
+            </a:r>
+            <a:endParaRPr lang="en-US" altLang="ja-JP" b="1" dirty="0" smtClean="0"/>
+          </a:p>
+          <a:p>
+            <a:r>
+              <a:rPr lang="ja-JP" altLang="en-US" b="1" dirty="0" smtClean="0"/>
+              <a:t>街</a:t>
+            </a:r>
+            <a:r>
+              <a:rPr lang="en-US" altLang="ja-JP" b="1" dirty="0" smtClean="0"/>
+              <a:t>…AR</a:t>
+            </a:r>
+            <a:r>
+              <a:rPr lang="ja-JP" altLang="en-US" b="1" dirty="0" smtClean="0"/>
+              <a:t>搭載型巨大ビジョンがある</a:t>
+            </a:r>
+            <a:r>
+              <a:rPr lang="en-US" altLang="ja-JP" b="1" dirty="0" smtClean="0"/>
+              <a:t>(</a:t>
+            </a:r>
+            <a:r>
+              <a:rPr lang="ja-JP" altLang="en-US" b="1" dirty="0" smtClean="0"/>
+              <a:t>映像が飛び出て見えるやつ</a:t>
+            </a:r>
+            <a:r>
+              <a:rPr lang="en-US" altLang="ja-JP" b="1" dirty="0" smtClean="0"/>
+              <a:t>)</a:t>
+            </a:r>
             <a:endParaRPr lang="en-US" altLang="ja-JP" b="1" dirty="0"/>
           </a:p>
           <a:p>
@@ -6645,10 +6722,271 @@
           </a:extLst>
         </p:spPr>
       </p:pic>
+      <p:pic>
+        <p:nvPicPr>
+          <p:cNvPr id="5" name="Picture 2" descr="https://cgworld.jp/article/assets_c/2022/10/71e517c6c7491b7819d027a1700059c738081bcf-thumb-1656x932-28203.jpg"/>
+          <p:cNvPicPr>
+            <a:picLocks noChangeAspect="1" noChangeArrowheads="1"/>
+          </p:cNvPicPr>
+          <p:nvPr/>
+        </p:nvPicPr>
+        <p:blipFill>
+          <a:blip r:embed="rId3" cstate="print">
+            <a:extLst>
+              <a:ext uri="{28A0092B-C50C-407E-A947-70E740481C1C}">
+                <a14:useLocalDpi xmlns:a14="http://schemas.microsoft.com/office/drawing/2010/main" val="0"/>
+              </a:ext>
+            </a:extLst>
+          </a:blip>
+          <a:srcRect/>
+          <a:stretch>
+            <a:fillRect/>
+          </a:stretch>
+        </p:blipFill>
+        <p:spPr bwMode="auto">
+          <a:xfrm>
+            <a:off x="7414286" y="3712379"/>
+            <a:ext cx="4569140" cy="2571521"/>
+          </a:xfrm>
+          <a:prstGeom prst="rect">
+            <a:avLst/>
+          </a:prstGeom>
+          <a:noFill/>
+          <a:extLst>
+            <a:ext uri="{909E8E84-426E-40DD-AFC4-6F175D3DCCD1}">
+              <a14:hiddenFill xmlns:a14="http://schemas.microsoft.com/office/drawing/2010/main">
+                <a:solidFill>
+                  <a:srgbClr val="FFFFFF"/>
+                </a:solidFill>
+              </a14:hiddenFill>
+            </a:ext>
+          </a:extLst>
+        </p:spPr>
+      </p:pic>
+      <p:pic>
+        <p:nvPicPr>
+          <p:cNvPr id="1028" name="Picture 4" descr="https://realsound.jp/wp-content/uploads/2021/08/20210805-devils99.jpg"/>
+          <p:cNvPicPr>
+            <a:picLocks noChangeAspect="1" noChangeArrowheads="1"/>
+          </p:cNvPicPr>
+          <p:nvPr/>
+        </p:nvPicPr>
+        <p:blipFill>
+          <a:blip r:embed="rId4" cstate="print">
+            <a:extLst>
+              <a:ext uri="{28A0092B-C50C-407E-A947-70E740481C1C}">
+                <a14:useLocalDpi xmlns:a14="http://schemas.microsoft.com/office/drawing/2010/main" val="0"/>
+              </a:ext>
+            </a:extLst>
+          </a:blip>
+          <a:srcRect/>
+          <a:stretch>
+            <a:fillRect/>
+          </a:stretch>
+        </p:blipFill>
+        <p:spPr bwMode="auto">
+          <a:xfrm>
+            <a:off x="4034271" y="4554564"/>
+            <a:ext cx="3106293" cy="1907782"/>
+          </a:xfrm>
+          <a:prstGeom prst="rect">
+            <a:avLst/>
+          </a:prstGeom>
+          <a:noFill/>
+          <a:extLst>
+            <a:ext uri="{909E8E84-426E-40DD-AFC4-6F175D3DCCD1}">
+              <a14:hiddenFill xmlns:a14="http://schemas.microsoft.com/office/drawing/2010/main">
+                <a:solidFill>
+                  <a:srgbClr val="FFFFFF"/>
+                </a:solidFill>
+              </a14:hiddenFill>
+            </a:ext>
+          </a:extLst>
+        </p:spPr>
+      </p:pic>
     </p:spTree>
     <p:extLst>
       <p:ext uri="{BB962C8B-B14F-4D97-AF65-F5344CB8AC3E}">
         <p14:creationId xmlns:p14="http://schemas.microsoft.com/office/powerpoint/2010/main" val="4294618787"/>
+      </p:ext>
+    </p:extLst>
+  </p:cSld>
+  <p:clrMapOvr>
+    <a:masterClrMapping/>
+  </p:clrMapOvr>
+</p:sld>
+</file>
+
+<file path=ppt/slides/slide4.xml><?xml version="1.0" encoding="utf-8"?>
+<p:sld xmlns:a="http://schemas.openxmlformats.org/drawingml/2006/main" xmlns:r="http://schemas.openxmlformats.org/officeDocument/2006/relationships" xmlns:p="http://schemas.openxmlformats.org/presentationml/2006/main">
+  <p:cSld>
+    <p:spTree>
+      <p:nvGrpSpPr>
+        <p:cNvPr id="1" name=""/>
+        <p:cNvGrpSpPr/>
+        <p:nvPr/>
+      </p:nvGrpSpPr>
+      <p:grpSpPr>
+        <a:xfrm>
+          <a:off x="0" y="0"/>
+          <a:ext cx="0" cy="0"/>
+          <a:chOff x="0" y="0"/>
+          <a:chExt cx="0" cy="0"/>
+        </a:xfrm>
+      </p:grpSpPr>
+      <p:sp>
+        <p:nvSpPr>
+          <p:cNvPr id="2" name="テキスト ボックス 1"/>
+          <p:cNvSpPr txBox="1"/>
+          <p:nvPr/>
+        </p:nvSpPr>
+        <p:spPr>
+          <a:xfrm>
+            <a:off x="0" y="241554"/>
+            <a:ext cx="3467616" cy="584775"/>
+          </a:xfrm>
+          <a:prstGeom prst="rect">
+            <a:avLst/>
+          </a:prstGeom>
+          <a:noFill/>
+        </p:spPr>
+        <p:txBody>
+          <a:bodyPr wrap="none" rtlCol="0">
+            <a:spAutoFit/>
+          </a:bodyPr>
+          <a:lstStyle/>
+          <a:p>
+            <a:r>
+              <a:rPr kumimoji="1" lang="en-US" altLang="ja-JP" sz="3200" b="1" dirty="0" smtClean="0"/>
+              <a:t>《</a:t>
+            </a:r>
+            <a:r>
+              <a:rPr kumimoji="1" lang="ja-JP" altLang="en-US" sz="3200" b="1" dirty="0" smtClean="0"/>
+              <a:t>イメージ詳細</a:t>
+            </a:r>
+            <a:r>
+              <a:rPr kumimoji="1" lang="en-US" altLang="ja-JP" sz="3200" b="1" dirty="0" smtClean="0"/>
+              <a:t>》</a:t>
+            </a:r>
+          </a:p>
+        </p:txBody>
+      </p:sp>
+      <p:sp>
+        <p:nvSpPr>
+          <p:cNvPr id="3" name="角丸四角形 2"/>
+          <p:cNvSpPr/>
+          <p:nvPr/>
+        </p:nvSpPr>
+        <p:spPr>
+          <a:xfrm>
+            <a:off x="170217" y="1011116"/>
+            <a:ext cx="6781685" cy="3358661"/>
+          </a:xfrm>
+          <a:prstGeom prst="roundRect">
+            <a:avLst>
+              <a:gd name="adj" fmla="val 6667"/>
+            </a:avLst>
+          </a:prstGeom>
+          <a:solidFill>
+            <a:schemeClr val="accent4">
+              <a:lumMod val="40000"/>
+              <a:lumOff val="60000"/>
+            </a:schemeClr>
+          </a:solidFill>
+          <a:ln w="19050">
+            <a:solidFill>
+              <a:schemeClr val="tx1"/>
+            </a:solidFill>
+          </a:ln>
+        </p:spPr>
+        <p:style>
+          <a:lnRef idx="2">
+            <a:schemeClr val="accent1">
+              <a:shade val="50000"/>
+            </a:schemeClr>
+          </a:lnRef>
+          <a:fillRef idx="1">
+            <a:schemeClr val="accent1"/>
+          </a:fillRef>
+          <a:effectRef idx="0">
+            <a:schemeClr val="accent1"/>
+          </a:effectRef>
+          <a:fontRef idx="minor">
+            <a:schemeClr val="lt1"/>
+          </a:fontRef>
+        </p:style>
+        <p:txBody>
+          <a:bodyPr rtlCol="0" anchor="ctr"/>
+          <a:lstStyle/>
+          <a:p>
+            <a:pPr algn="ctr"/>
+            <a:endParaRPr kumimoji="1" lang="ja-JP" altLang="en-US" dirty="0"/>
+          </a:p>
+        </p:txBody>
+      </p:sp>
+      <p:sp>
+        <p:nvSpPr>
+          <p:cNvPr id="4" name="テキスト ボックス 3"/>
+          <p:cNvSpPr txBox="1"/>
+          <p:nvPr/>
+        </p:nvSpPr>
+        <p:spPr>
+          <a:xfrm>
+            <a:off x="259044" y="1120785"/>
+            <a:ext cx="5955476" cy="1200329"/>
+          </a:xfrm>
+          <a:prstGeom prst="rect">
+            <a:avLst/>
+          </a:prstGeom>
+          <a:noFill/>
+        </p:spPr>
+        <p:txBody>
+          <a:bodyPr wrap="none" rtlCol="0">
+            <a:spAutoFit/>
+          </a:bodyPr>
+          <a:lstStyle/>
+          <a:p>
+            <a:r>
+              <a:rPr lang="ja-JP" altLang="en-US" b="1" dirty="0" smtClean="0"/>
+              <a:t>・</a:t>
+            </a:r>
+            <a:r>
+              <a:rPr lang="ja-JP" altLang="en-US" b="1" dirty="0"/>
+              <a:t>ゲーム</a:t>
+            </a:r>
+            <a:r>
+              <a:rPr lang="ja-JP" altLang="en-US" b="1" dirty="0" smtClean="0"/>
+              <a:t>はステージさえあれば自宅やショップで出来る</a:t>
+            </a:r>
+            <a:endParaRPr lang="en-US" altLang="ja-JP" b="1" dirty="0" smtClean="0"/>
+          </a:p>
+          <a:p>
+            <a:r>
+              <a:rPr lang="ja-JP" altLang="en-US" b="1" dirty="0" smtClean="0"/>
+              <a:t>・アンドロイドはパーツをカスタマイズ出来る</a:t>
+            </a:r>
+            <a:endParaRPr lang="en-US" altLang="ja-JP" b="1" dirty="0" smtClean="0"/>
+          </a:p>
+          <a:p>
+            <a:r>
+              <a:rPr lang="ja-JP" altLang="en-US" b="1" dirty="0" smtClean="0"/>
+              <a:t>・ドーム等で大きな大会が開催されることもある</a:t>
+            </a:r>
+            <a:endParaRPr lang="en-US" altLang="ja-JP" b="1" dirty="0" smtClean="0"/>
+          </a:p>
+          <a:p>
+            <a:r>
+              <a:rPr lang="ja-JP" altLang="en-US" b="1" dirty="0"/>
+              <a:t>・</a:t>
+            </a:r>
+            <a:endParaRPr lang="en-US" altLang="ja-JP" b="1" dirty="0" smtClean="0"/>
+          </a:p>
+        </p:txBody>
+      </p:sp>
+    </p:spTree>
+    <p:extLst>
+      <p:ext uri="{BB962C8B-B14F-4D97-AF65-F5344CB8AC3E}">
+        <p14:creationId xmlns:p14="http://schemas.microsoft.com/office/powerpoint/2010/main" val="3706845130"/>
       </p:ext>
     </p:extLst>
   </p:cSld>
